--- a/海報.pptx
+++ b/海報.pptx
@@ -104,6 +104,11 @@
       </a:defRPr>
     </a:lvl9pPr>
   </p:defaultTextStyle>
+  <p:extLst>
+    <p:ext uri="{EFAFB233-063F-42B5-8137-9DF3F51BA10A}">
+      <p15:sldGuideLst xmlns:p15="http://schemas.microsoft.com/office/powerpoint/2012/main"/>
+    </p:ext>
+  </p:extLst>
 </p:presentation>
 </file>
 
@@ -2983,13 +2988,13 @@
       </p:grpSpPr>
       <p:sp>
         <p:nvSpPr>
-          <p:cNvPr id="7" name="文字方塊 6"/>
+          <p:cNvPr id="20" name="文字方塊 19"/>
           <p:cNvSpPr txBox="1"/>
           <p:nvPr/>
         </p:nvSpPr>
         <p:spPr>
           <a:xfrm>
-            <a:off x="1930400" y="1828800"/>
+            <a:off x="2717800" y="1592169"/>
             <a:ext cx="25806400" cy="3170099"/>
           </a:xfrm>
           <a:prstGeom prst="rect">
@@ -3005,7 +3010,7 @@
           <a:p>
             <a:pPr algn="ctr"/>
             <a:r>
-              <a:rPr lang="zh-TW" altLang="en-US" sz="20000" b="1" dirty="0" smtClean="0">
+              <a:rPr lang="zh-TW" altLang="en-US" sz="20000" dirty="0" smtClean="0">
                 <a:ln w="12700">
                   <a:solidFill>
                     <a:schemeClr val="tx2">
@@ -3014,17 +3019,6 @@
                   </a:solidFill>
                   <a:prstDash val="solid"/>
                 </a:ln>
-                <a:pattFill prst="dkUpDiag">
-                  <a:fgClr>
-                    <a:schemeClr val="tx2"/>
-                  </a:fgClr>
-                  <a:bgClr>
-                    <a:schemeClr val="tx2">
-                      <a:lumMod val="20000"/>
-                      <a:lumOff val="80000"/>
-                    </a:schemeClr>
-                  </a:bgClr>
-                </a:pattFill>
                 <a:effectLst>
                   <a:outerShdw dist="38100" dir="2640000" algn="bl" rotWithShape="0">
                     <a:schemeClr val="tx2">
@@ -3032,10 +3026,12 @@
                     </a:schemeClr>
                   </a:outerShdw>
                 </a:effectLst>
+                <a:latin typeface="+mj-ea"/>
+                <a:ea typeface="+mj-ea"/>
               </a:rPr>
               <a:t>偏鄉救援計畫</a:t>
             </a:r>
-            <a:endParaRPr lang="zh-TW" altLang="en-US" sz="20000" b="1" dirty="0">
+            <a:endParaRPr lang="zh-TW" altLang="en-US" sz="20000" dirty="0">
               <a:ln w="12700">
                 <a:solidFill>
                   <a:schemeClr val="tx2">
@@ -3044,17 +3040,6 @@
                 </a:solidFill>
                 <a:prstDash val="solid"/>
               </a:ln>
-              <a:pattFill prst="dkUpDiag">
-                <a:fgClr>
-                  <a:schemeClr val="tx2"/>
-                </a:fgClr>
-                <a:bgClr>
-                  <a:schemeClr val="tx2">
-                    <a:lumMod val="20000"/>
-                    <a:lumOff val="80000"/>
-                  </a:schemeClr>
-                </a:bgClr>
-              </a:pattFill>
               <a:effectLst>
                 <a:outerShdw dist="38100" dir="2640000" algn="bl" rotWithShape="0">
                   <a:schemeClr val="tx2">
@@ -3062,6 +3047,8 @@
                   </a:schemeClr>
                 </a:outerShdw>
               </a:effectLst>
+              <a:latin typeface="+mj-ea"/>
+              <a:ea typeface="+mj-ea"/>
             </a:endParaRPr>
           </a:p>
         </p:txBody>
@@ -3167,161 +3154,6 @@
           </a:p>
         </p:txBody>
       </p:sp>
-      <p:grpSp>
-        <p:nvGrpSpPr>
-          <p:cNvPr id="16" name="群組 15"/>
-          <p:cNvGrpSpPr/>
-          <p:nvPr/>
-        </p:nvGrpSpPr>
-        <p:grpSpPr>
-          <a:xfrm>
-            <a:off x="1117600" y="17466424"/>
-            <a:ext cx="4876800" cy="2185045"/>
-            <a:chOff x="609600" y="8432800"/>
-            <a:chExt cx="5486400" cy="2083445"/>
-          </a:xfrm>
-        </p:grpSpPr>
-        <p:sp>
-          <p:nvSpPr>
-            <p:cNvPr id="14" name="流程圖: 資料 13"/>
-            <p:cNvSpPr/>
-            <p:nvPr/>
-          </p:nvSpPr>
-          <p:spPr>
-            <a:xfrm>
-              <a:off x="609600" y="8432800"/>
-              <a:ext cx="5486400" cy="2083445"/>
-            </a:xfrm>
-            <a:prstGeom prst="flowChartInputOutput">
-              <a:avLst/>
-            </a:prstGeom>
-          </p:spPr>
-          <p:style>
-            <a:lnRef idx="2">
-              <a:schemeClr val="accent1">
-                <a:shade val="50000"/>
-              </a:schemeClr>
-            </a:lnRef>
-            <a:fillRef idx="1">
-              <a:schemeClr val="accent1"/>
-            </a:fillRef>
-            <a:effectRef idx="0">
-              <a:schemeClr val="accent1"/>
-            </a:effectRef>
-            <a:fontRef idx="minor">
-              <a:schemeClr val="lt1"/>
-            </a:fontRef>
-          </p:style>
-          <p:txBody>
-            <a:bodyPr rtlCol="0" anchor="ctr"/>
-            <a:lstStyle/>
-            <a:p>
-              <a:pPr algn="ctr"/>
-              <a:endParaRPr lang="zh-TW" altLang="en-US"/>
-            </a:p>
-          </p:txBody>
-        </p:sp>
-        <p:sp>
-          <p:nvSpPr>
-            <p:cNvPr id="15" name="文字方塊 14"/>
-            <p:cNvSpPr txBox="1"/>
-            <p:nvPr/>
-          </p:nvSpPr>
-          <p:spPr>
-            <a:xfrm>
-              <a:off x="1368357" y="8897377"/>
-              <a:ext cx="4318000" cy="1056477"/>
-            </a:xfrm>
-            <a:prstGeom prst="rect">
-              <a:avLst/>
-            </a:prstGeom>
-            <a:noFill/>
-          </p:spPr>
-          <p:txBody>
-            <a:bodyPr wrap="square" rtlCol="0">
-              <a:spAutoFit/>
-            </a:bodyPr>
-            <a:lstStyle/>
-            <a:p>
-              <a:r>
-                <a:rPr lang="zh-TW" altLang="en-US" sz="6600" b="1" dirty="0" smtClean="0">
-                  <a:latin typeface="微軟正黑體" panose="020B0604030504040204" pitchFamily="34" charset="-120"/>
-                  <a:ea typeface="微軟正黑體" panose="020B0604030504040204" pitchFamily="34" charset="-120"/>
-                </a:rPr>
-                <a:t>設計理念</a:t>
-              </a:r>
-              <a:endParaRPr lang="zh-TW" altLang="en-US" sz="6600" b="1" dirty="0">
-                <a:latin typeface="微軟正黑體" panose="020B0604030504040204" pitchFamily="34" charset="-120"/>
-                <a:ea typeface="微軟正黑體" panose="020B0604030504040204" pitchFamily="34" charset="-120"/>
-              </a:endParaRPr>
-            </a:p>
-          </p:txBody>
-        </p:sp>
-      </p:grpSp>
-      <p:sp>
-        <p:nvSpPr>
-          <p:cNvPr id="17" name="文字方塊 16"/>
-          <p:cNvSpPr txBox="1"/>
-          <p:nvPr/>
-        </p:nvSpPr>
-        <p:spPr>
-          <a:xfrm>
-            <a:off x="469900" y="16557568"/>
-            <a:ext cx="29286200" cy="8326677"/>
-          </a:xfrm>
-          <a:prstGeom prst="roundRect">
-            <a:avLst/>
-          </a:prstGeom>
-          <a:solidFill>
-            <a:schemeClr val="accent5">
-              <a:lumMod val="20000"/>
-              <a:lumOff val="80000"/>
-              <a:alpha val="47000"/>
-            </a:schemeClr>
-          </a:solidFill>
-        </p:spPr>
-        <p:style>
-          <a:lnRef idx="2">
-            <a:schemeClr val="accent6"/>
-          </a:lnRef>
-          <a:fillRef idx="1">
-            <a:schemeClr val="lt1"/>
-          </a:fillRef>
-          <a:effectRef idx="0">
-            <a:schemeClr val="accent6"/>
-          </a:effectRef>
-          <a:fontRef idx="minor">
-            <a:schemeClr val="dk1"/>
-          </a:fontRef>
-        </p:style>
-        <p:txBody>
-          <a:bodyPr wrap="square" rtlCol="0">
-            <a:spAutoFit/>
-          </a:bodyPr>
-          <a:lstStyle/>
-          <a:p>
-            <a:endParaRPr lang="en-US" altLang="zh-TW" dirty="0"/>
-          </a:p>
-          <a:p>
-            <a:endParaRPr lang="en-US" altLang="zh-TW" dirty="0" smtClean="0"/>
-          </a:p>
-          <a:p>
-            <a:endParaRPr lang="en-US" altLang="zh-TW" dirty="0"/>
-          </a:p>
-          <a:p>
-            <a:endParaRPr lang="en-US" altLang="zh-TW" dirty="0" smtClean="0"/>
-          </a:p>
-          <a:p>
-            <a:endParaRPr lang="en-US" altLang="zh-TW" dirty="0"/>
-          </a:p>
-          <a:p>
-            <a:endParaRPr lang="en-US" altLang="zh-TW" dirty="0" smtClean="0"/>
-          </a:p>
-          <a:p>
-            <a:endParaRPr lang="en-US" altLang="zh-TW" dirty="0" smtClean="0"/>
-          </a:p>
-        </p:txBody>
-      </p:sp>
       <p:sp>
         <p:nvSpPr>
           <p:cNvPr id="21" name="文字方塊 20"/>
@@ -3415,7 +3247,7 @@
         </p:nvGrpSpPr>
         <p:grpSpPr>
           <a:xfrm>
-            <a:off x="1117600" y="8737600"/>
+            <a:off x="1117600" y="8432800"/>
             <a:ext cx="4876800" cy="2185045"/>
             <a:chOff x="609600" y="8432800"/>
             <a:chExt cx="5486400" cy="2083445"/>
@@ -3589,15 +3421,152 @@
           </p:txBody>
         </p:sp>
       </p:grpSp>
+      <p:sp>
+        <p:nvSpPr>
+          <p:cNvPr id="19" name="文字方塊 18"/>
+          <p:cNvSpPr txBox="1"/>
+          <p:nvPr/>
+        </p:nvSpPr>
+        <p:spPr>
+          <a:xfrm>
+            <a:off x="2209800" y="1388476"/>
+            <a:ext cx="25806400" cy="3170099"/>
+          </a:xfrm>
+          <a:prstGeom prst="rect">
+            <a:avLst/>
+          </a:prstGeom>
+          <a:noFill/>
+        </p:spPr>
+        <p:txBody>
+          <a:bodyPr wrap="square" rtlCol="0">
+            <a:spAutoFit/>
+          </a:bodyPr>
+          <a:lstStyle/>
+          <a:p>
+            <a:pPr algn="ctr"/>
+            <a:r>
+              <a:rPr lang="zh-TW" altLang="en-US" sz="20000" b="1" dirty="0" smtClean="0">
+                <a:ln w="12700">
+                  <a:solidFill>
+                    <a:schemeClr val="tx2">
+                      <a:lumMod val="75000"/>
+                    </a:schemeClr>
+                  </a:solidFill>
+                  <a:prstDash val="solid"/>
+                </a:ln>
+                <a:solidFill>
+                  <a:schemeClr val="bg1"/>
+                </a:solidFill>
+                <a:effectLst>
+                  <a:outerShdw dist="38100" dir="2640000" algn="bl" rotWithShape="0">
+                    <a:schemeClr val="tx2">
+                      <a:lumMod val="75000"/>
+                    </a:schemeClr>
+                  </a:outerShdw>
+                </a:effectLst>
+                <a:latin typeface="+mj-ea"/>
+                <a:ea typeface="+mj-ea"/>
+              </a:rPr>
+              <a:t>偏鄉救援計畫</a:t>
+            </a:r>
+            <a:endParaRPr lang="zh-TW" altLang="en-US" sz="20000" b="1" dirty="0">
+              <a:ln w="12700">
+                <a:solidFill>
+                  <a:schemeClr val="tx2">
+                    <a:lumMod val="75000"/>
+                  </a:schemeClr>
+                </a:solidFill>
+                <a:prstDash val="solid"/>
+              </a:ln>
+              <a:solidFill>
+                <a:schemeClr val="bg1"/>
+              </a:solidFill>
+              <a:effectLst>
+                <a:outerShdw dist="38100" dir="2640000" algn="bl" rotWithShape="0">
+                  <a:schemeClr val="tx2">
+                    <a:lumMod val="75000"/>
+                  </a:schemeClr>
+                </a:outerShdw>
+              </a:effectLst>
+              <a:latin typeface="+mj-ea"/>
+              <a:ea typeface="+mj-ea"/>
+            </a:endParaRPr>
+          </a:p>
+        </p:txBody>
+      </p:sp>
+      <p:sp>
+        <p:nvSpPr>
+          <p:cNvPr id="22" name="文字方塊 21"/>
+          <p:cNvSpPr txBox="1"/>
+          <p:nvPr/>
+        </p:nvSpPr>
+        <p:spPr>
+          <a:xfrm>
+            <a:off x="330200" y="16400539"/>
+            <a:ext cx="29286200" cy="8326677"/>
+          </a:xfrm>
+          <a:prstGeom prst="roundRect">
+            <a:avLst/>
+          </a:prstGeom>
+          <a:solidFill>
+            <a:schemeClr val="accent5">
+              <a:lumMod val="20000"/>
+              <a:lumOff val="80000"/>
+              <a:alpha val="47000"/>
+            </a:schemeClr>
+          </a:solidFill>
+        </p:spPr>
+        <p:style>
+          <a:lnRef idx="2">
+            <a:schemeClr val="accent6"/>
+          </a:lnRef>
+          <a:fillRef idx="1">
+            <a:schemeClr val="lt1"/>
+          </a:fillRef>
+          <a:effectRef idx="0">
+            <a:schemeClr val="accent6"/>
+          </a:effectRef>
+          <a:fontRef idx="minor">
+            <a:schemeClr val="dk1"/>
+          </a:fontRef>
+        </p:style>
+        <p:txBody>
+          <a:bodyPr wrap="square" rtlCol="0">
+            <a:spAutoFit/>
+          </a:bodyPr>
+          <a:lstStyle/>
+          <a:p>
+            <a:endParaRPr lang="en-US" altLang="zh-TW" dirty="0"/>
+          </a:p>
+          <a:p>
+            <a:endParaRPr lang="en-US" altLang="zh-TW" dirty="0" smtClean="0"/>
+          </a:p>
+          <a:p>
+            <a:endParaRPr lang="en-US" altLang="zh-TW" dirty="0"/>
+          </a:p>
+          <a:p>
+            <a:endParaRPr lang="en-US" altLang="zh-TW" dirty="0" smtClean="0"/>
+          </a:p>
+          <a:p>
+            <a:endParaRPr lang="en-US" altLang="zh-TW" dirty="0"/>
+          </a:p>
+          <a:p>
+            <a:endParaRPr lang="en-US" altLang="zh-TW" dirty="0" smtClean="0"/>
+          </a:p>
+          <a:p>
+            <a:endParaRPr lang="en-US" altLang="zh-TW" dirty="0" smtClean="0"/>
+          </a:p>
+        </p:txBody>
+      </p:sp>
       <p:grpSp>
         <p:nvGrpSpPr>
-          <p:cNvPr id="44" name="群組 43"/>
+          <p:cNvPr id="24" name="群組 23"/>
           <p:cNvGrpSpPr/>
           <p:nvPr/>
         </p:nvGrpSpPr>
         <p:grpSpPr>
           <a:xfrm>
-            <a:off x="1117600" y="17415131"/>
+            <a:off x="1117600" y="17466424"/>
             <a:ext cx="4876800" cy="2185045"/>
             <a:chOff x="609600" y="8432800"/>
             <a:chExt cx="5486400" cy="2083445"/>
@@ -3605,7 +3574,7 @@
         </p:grpSpPr>
         <p:sp>
           <p:nvSpPr>
-            <p:cNvPr id="45" name="流程圖: 資料 44"/>
+            <p:cNvPr id="25" name="流程圖: 資料 24"/>
             <p:cNvSpPr/>
             <p:nvPr/>
           </p:nvSpPr>
@@ -3645,7 +3614,7 @@
         </p:sp>
         <p:sp>
           <p:nvSpPr>
-            <p:cNvPr id="46" name="文字方塊 45"/>
+            <p:cNvPr id="26" name="文字方塊 25"/>
             <p:cNvSpPr txBox="1"/>
             <p:nvPr/>
           </p:nvSpPr>
